--- a/src/plugins/misc/Core/res/Logo.pptx
+++ b/src/plugins/misc/Core/res/Logo.pptx
@@ -3289,15 +3289,6 @@
                 <a:solidFill>
                   <a:srgbClr val="EFEFEF"/>
                 </a:solidFill>
-                <a:effectLst>
-                  <a:outerShdw blurRad="50800" dist="40000" dir="5400000" algn="tl" rotWithShape="0">
-                    <a:srgbClr val="000000">
-                      <a:shade val="5000"/>
-                      <a:satMod val="120000"/>
-                      <a:alpha val="33000"/>
-                    </a:srgbClr>
-                  </a:outerShdw>
-                </a:effectLst>
                 <a:latin typeface="Brush Script MT" pitchFamily="66" charset="0"/>
               </a:rPr>
               <a:t>Open</a:t>
@@ -3313,15 +3304,6 @@
                 <a:solidFill>
                   <a:srgbClr val="DBDBEF"/>
                 </a:solidFill>
-                <a:effectLst>
-                  <a:outerShdw blurRad="50800" dist="40000" dir="5400000" algn="tl" rotWithShape="0">
-                    <a:srgbClr val="000000">
-                      <a:shade val="5000"/>
-                      <a:satMod val="120000"/>
-                      <a:alpha val="33000"/>
-                    </a:srgbClr>
-                  </a:outerShdw>
-                </a:effectLst>
                 <a:latin typeface="Brush Script MT" pitchFamily="66" charset="0"/>
               </a:rPr>
               <a:t>C</a:t>
@@ -3337,15 +3319,6 @@
                 <a:solidFill>
                   <a:srgbClr val="EFEFEF"/>
                 </a:solidFill>
-                <a:effectLst>
-                  <a:outerShdw blurRad="50800" dist="40000" dir="5400000" algn="tl" rotWithShape="0">
-                    <a:srgbClr val="000000">
-                      <a:shade val="5000"/>
-                      <a:satMod val="120000"/>
-                      <a:alpha val="33000"/>
-                    </a:srgbClr>
-                  </a:outerShdw>
-                </a:effectLst>
                 <a:latin typeface="Brush Script MT" pitchFamily="66" charset="0"/>
               </a:rPr>
               <a:t>O</a:t>
@@ -3361,15 +3334,6 @@
                 <a:solidFill>
                   <a:srgbClr val="EFDBDB"/>
                 </a:solidFill>
-                <a:effectLst>
-                  <a:outerShdw blurRad="50800" dist="40000" dir="5400000" algn="tl" rotWithShape="0">
-                    <a:srgbClr val="000000">
-                      <a:shade val="5000"/>
-                      <a:satMod val="120000"/>
-                      <a:alpha val="33000"/>
-                    </a:srgbClr>
-                  </a:outerShdw>
-                </a:effectLst>
                 <a:latin typeface="Brush Script MT" pitchFamily="66" charset="0"/>
               </a:rPr>
               <a:t>R</a:t>
@@ -3384,15 +3348,6 @@
               <a:solidFill>
                 <a:srgbClr val="EFDBDB"/>
               </a:solidFill>
-              <a:effectLst>
-                <a:outerShdw blurRad="50800" dist="40000" dir="5400000" algn="tl" rotWithShape="0">
-                  <a:srgbClr val="000000">
-                    <a:shade val="5000"/>
-                    <a:satMod val="120000"/>
-                    <a:alpha val="33000"/>
-                  </a:srgbClr>
-                </a:outerShdw>
-              </a:effectLst>
               <a:latin typeface="Brush Script MT" pitchFamily="66" charset="0"/>
             </a:endParaRPr>
           </a:p>

--- a/src/plugins/misc/Core/res/Logo.pptx
+++ b/src/plugins/misc/Core/res/Logo.pptx
@@ -3219,7 +3219,7 @@
     <p:bg>
       <p:bgPr>
         <a:solidFill>
-          <a:srgbClr val="F9F9F9"/>
+          <a:schemeClr val="bg1"/>
         </a:solidFill>
         <a:effectLst/>
       </p:bgPr>
@@ -3280,7 +3280,7 @@
             <a:pPr algn="ctr"/>
             <a:r>
               <a:rPr lang="en-US" sz="9600" b="1" dirty="0" smtClean="0">
-                <a:ln w="31550" cmpd="sng">
+                <a:ln w="19050" cmpd="sng">
                   <a:solidFill>
                     <a:srgbClr val="454545"/>
                   </a:solidFill>
@@ -3289,13 +3289,42 @@
                 <a:solidFill>
                   <a:srgbClr val="EFEFEF"/>
                 </a:solidFill>
+                <a:effectLst>
+                  <a:outerShdw blurRad="38100" dist="38100" dir="2700000" algn="tl">
+                    <a:srgbClr val="000000">
+                      <a:alpha val="43137"/>
+                    </a:srgbClr>
+                  </a:outerShdw>
+                </a:effectLst>
                 <a:latin typeface="Brush Script MT" pitchFamily="66" charset="0"/>
               </a:rPr>
               <a:t>Open</a:t>
             </a:r>
             <a:r>
+              <a:rPr lang="en-US" sz="2800" b="1" dirty="0" smtClean="0">
+                <a:ln w="19050" cmpd="sng">
+                  <a:solidFill>
+                    <a:srgbClr val="454545"/>
+                  </a:solidFill>
+                  <a:prstDash val="solid"/>
+                </a:ln>
+                <a:solidFill>
+                  <a:srgbClr val="EFEFEF"/>
+                </a:solidFill>
+                <a:effectLst>
+                  <a:outerShdw blurRad="38100" dist="38100" dir="2700000" algn="tl">
+                    <a:srgbClr val="000000">
+                      <a:alpha val="43137"/>
+                    </a:srgbClr>
+                  </a:outerShdw>
+                </a:effectLst>
+                <a:latin typeface="Brush Script MT" pitchFamily="66" charset="0"/>
+              </a:rPr>
+              <a:t> </a:t>
+            </a:r>
+            <a:r>
               <a:rPr lang="en-US" sz="9600" b="1" dirty="0" smtClean="0">
-                <a:ln w="31550" cmpd="sng">
+                <a:ln w="38100" cmpd="sng">
                   <a:solidFill>
                     <a:srgbClr val="000045"/>
                   </a:solidFill>
@@ -3304,13 +3333,20 @@
                 <a:solidFill>
                   <a:srgbClr val="DBDBEF"/>
                 </a:solidFill>
+                <a:effectLst>
+                  <a:outerShdw blurRad="38100" dist="38100" dir="2700000" algn="tl">
+                    <a:srgbClr val="000000">
+                      <a:alpha val="43137"/>
+                    </a:srgbClr>
+                  </a:outerShdw>
+                </a:effectLst>
                 <a:latin typeface="Brush Script MT" pitchFamily="66" charset="0"/>
               </a:rPr>
               <a:t>C</a:t>
             </a:r>
             <a:r>
-              <a:rPr lang="en-US" sz="9600" b="1" dirty="0" smtClean="0">
-                <a:ln w="31550" cmpd="sng">
+              <a:rPr lang="en-US" sz="2800" b="1" dirty="0">
+                <a:ln w="19050" cmpd="sng">
                   <a:solidFill>
                     <a:srgbClr val="454545"/>
                   </a:solidFill>
@@ -3319,13 +3355,42 @@
                 <a:solidFill>
                   <a:srgbClr val="EFEFEF"/>
                 </a:solidFill>
+                <a:effectLst>
+                  <a:outerShdw blurRad="38100" dist="38100" dir="2700000" algn="tl">
+                    <a:srgbClr val="000000">
+                      <a:alpha val="43137"/>
+                    </a:srgbClr>
+                  </a:outerShdw>
+                </a:effectLst>
+                <a:latin typeface="Brush Script MT" pitchFamily="66" charset="0"/>
+              </a:rPr>
+              <a:t> </a:t>
+            </a:r>
+            <a:r>
+              <a:rPr lang="en-US" sz="9600" b="1" dirty="0" smtClean="0">
+                <a:ln w="38100" cmpd="sng">
+                  <a:solidFill>
+                    <a:srgbClr val="454545"/>
+                  </a:solidFill>
+                  <a:prstDash val="solid"/>
+                </a:ln>
+                <a:solidFill>
+                  <a:srgbClr val="EFEFEF"/>
+                </a:solidFill>
+                <a:effectLst>
+                  <a:outerShdw blurRad="38100" dist="38100" dir="2700000" algn="tl">
+                    <a:srgbClr val="000000">
+                      <a:alpha val="43137"/>
+                    </a:srgbClr>
+                  </a:outerShdw>
+                </a:effectLst>
                 <a:latin typeface="Brush Script MT" pitchFamily="66" charset="0"/>
               </a:rPr>
               <a:t>O</a:t>
             </a:r>
             <a:r>
               <a:rPr lang="en-US" sz="9600" b="1" dirty="0" smtClean="0">
-                <a:ln w="31550" cmpd="sng">
+                <a:ln w="38100" cmpd="sng">
                   <a:solidFill>
                     <a:srgbClr val="450000"/>
                   </a:solidFill>
@@ -3334,12 +3399,19 @@
                 <a:solidFill>
                   <a:srgbClr val="EFDBDB"/>
                 </a:solidFill>
+                <a:effectLst>
+                  <a:outerShdw blurRad="38100" dist="38100" dir="2700000" algn="tl">
+                    <a:srgbClr val="000000">
+                      <a:alpha val="43137"/>
+                    </a:srgbClr>
+                  </a:outerShdw>
+                </a:effectLst>
                 <a:latin typeface="Brush Script MT" pitchFamily="66" charset="0"/>
               </a:rPr>
               <a:t>R</a:t>
             </a:r>
             <a:endParaRPr lang="en-US" sz="9600" b="1" dirty="0">
-              <a:ln w="31550" cmpd="sng">
+              <a:ln w="38100" cmpd="sng">
                 <a:solidFill>
                   <a:srgbClr val="450000"/>
                 </a:solidFill>
@@ -3348,6 +3420,13 @@
               <a:solidFill>
                 <a:srgbClr val="EFDBDB"/>
               </a:solidFill>
+              <a:effectLst>
+                <a:outerShdw blurRad="38100" dist="38100" dir="2700000" algn="tl">
+                  <a:srgbClr val="000000">
+                    <a:alpha val="43137"/>
+                  </a:srgbClr>
+                </a:outerShdw>
+              </a:effectLst>
               <a:latin typeface="Brush Script MT" pitchFamily="66" charset="0"/>
             </a:endParaRPr>
           </a:p>
